--- a/grapp-2023/presentation.pptx
+++ b/grapp-2023/presentation.pptx
@@ -135,7 +135,7 @@
           <a:p>
             <a:fld id="{69D0D571-F1E9-4D44-9DF5-7FE22B14B3B7}" type="datetimeFigureOut">
               <a:rPr lang="fr-FR" smtClean="0"/>
-              <a:t>20/02/2023</a:t>
+              <a:t>12/04/2023</a:t>
             </a:fld>
             <a:endParaRPr lang="fr-FR"/>
           </a:p>
@@ -26657,7 +26657,7 @@
         </p:nvSpPr>
         <p:spPr>
           <a:xfrm>
-            <a:off x="926003" y="1541578"/>
+            <a:off x="603211" y="1541578"/>
             <a:ext cx="993703" cy="1236432"/>
           </a:xfrm>
           <a:prstGeom prst="rect">
@@ -26777,7 +26777,7 @@
         </p:nvCxnSpPr>
         <p:spPr>
           <a:xfrm flipV="1">
-            <a:off x="1919706" y="1251586"/>
+            <a:off x="1596914" y="1251586"/>
             <a:ext cx="708868" cy="908208"/>
           </a:xfrm>
           <a:prstGeom prst="straightConnector1">
@@ -26820,7 +26820,7 @@
         </p:nvCxnSpPr>
         <p:spPr>
           <a:xfrm flipV="1">
-            <a:off x="1919706" y="1820370"/>
+            <a:off x="1596914" y="1820370"/>
             <a:ext cx="708869" cy="339424"/>
           </a:xfrm>
           <a:prstGeom prst="straightConnector1">
@@ -26859,7 +26859,7 @@
         </p:nvSpPr>
         <p:spPr>
           <a:xfrm>
-            <a:off x="2628575" y="1595423"/>
+            <a:off x="2305783" y="1595423"/>
             <a:ext cx="891164" cy="449894"/>
           </a:xfrm>
           <a:prstGeom prst="rect">
@@ -26896,7 +26896,7 @@
                 <a:latin typeface="Tahoma"/>
                 <a:cs typeface="Tahoma"/>
               </a:rPr>
-              <a:t>info</a:t>
+              <a:t>INFO</a:t>
             </a:r>
           </a:p>
         </p:txBody>
@@ -26915,7 +26915,7 @@
         </p:nvSpPr>
         <p:spPr>
           <a:xfrm>
-            <a:off x="2628574" y="1026639"/>
+            <a:off x="2305782" y="1026639"/>
             <a:ext cx="891164" cy="449894"/>
           </a:xfrm>
           <a:prstGeom prst="rect">
@@ -26952,158 +26952,7 @@
                 <a:latin typeface="Tahoma"/>
                 <a:cs typeface="Tahoma"/>
               </a:rPr>
-              <a:t>topic</a:t>
-            </a:r>
-          </a:p>
-        </p:txBody>
-      </p:sp>
-      <p:cxnSp>
-        <p:nvCxnSpPr>
-          <p:cNvPr id="15" name="Straight Arrow Connector 14">
-            <a:extLst>
-              <a:ext uri="{FF2B5EF4-FFF2-40B4-BE49-F238E27FC236}">
-                <a16:creationId xmlns:a16="http://schemas.microsoft.com/office/drawing/2014/main" id="{B837589D-F297-B9A0-1017-A980E9F52446}"/>
-              </a:ext>
-            </a:extLst>
-          </p:cNvPr>
-          <p:cNvCxnSpPr/>
-          <p:nvPr/>
-        </p:nvCxnSpPr>
-        <p:spPr>
-          <a:xfrm flipV="1">
-            <a:off x="3536112" y="905871"/>
-            <a:ext cx="640013" cy="331632"/>
-          </a:xfrm>
-          <a:prstGeom prst="straightConnector1">
-            <a:avLst/>
-          </a:prstGeom>
-          <a:ln>
-            <a:tailEnd type="triangle"/>
-          </a:ln>
-        </p:spPr>
-        <p:style>
-          <a:lnRef idx="1">
-            <a:schemeClr val="accent1"/>
-          </a:lnRef>
-          <a:fillRef idx="0">
-            <a:schemeClr val="accent1"/>
-          </a:fillRef>
-          <a:effectRef idx="0">
-            <a:schemeClr val="accent1"/>
-          </a:effectRef>
-          <a:fontRef idx="minor">
-            <a:schemeClr val="tx1"/>
-          </a:fontRef>
-        </p:style>
-      </p:cxnSp>
-      <p:sp>
-        <p:nvSpPr>
-          <p:cNvPr id="17" name="Rectangle 16">
-            <a:extLst>
-              <a:ext uri="{FF2B5EF4-FFF2-40B4-BE49-F238E27FC236}">
-                <a16:creationId xmlns:a16="http://schemas.microsoft.com/office/drawing/2014/main" id="{BDA265C5-597F-7F34-08C4-7F00530AC9B6}"/>
-              </a:ext>
-            </a:extLst>
-          </p:cNvPr>
-          <p:cNvSpPr/>
-          <p:nvPr/>
-        </p:nvSpPr>
-        <p:spPr>
-          <a:xfrm>
-            <a:off x="4202843" y="777285"/>
-            <a:ext cx="726456" cy="249351"/>
-          </a:xfrm>
-          <a:prstGeom prst="rect">
-            <a:avLst/>
-          </a:prstGeom>
-        </p:spPr>
-        <p:style>
-          <a:lnRef idx="2">
-            <a:schemeClr val="accent1">
-              <a:shade val="50000"/>
-            </a:schemeClr>
-          </a:lnRef>
-          <a:fillRef idx="1">
-            <a:schemeClr val="accent1"/>
-          </a:fillRef>
-          <a:effectRef idx="0">
-            <a:schemeClr val="accent1"/>
-          </a:effectRef>
-          <a:fontRef idx="minor">
-            <a:schemeClr val="lt1"/>
-          </a:fontRef>
-        </p:style>
-        <p:txBody>
-          <a:bodyPr rtlCol="0" anchor="ctr"/>
-          <a:lstStyle/>
-          <a:p>
-            <a:pPr marL="15852" algn="ctr">
-              <a:spcBef>
-                <a:spcPts val="119"/>
-              </a:spcBef>
-            </a:pPr>
-            <a:r>
-              <a:rPr lang="en-US" sz="999" i="1" dirty="0">
-                <a:latin typeface="Tahoma"/>
-                <a:cs typeface="Tahoma"/>
-              </a:rPr>
-              <a:t>:dog</a:t>
-            </a:r>
-          </a:p>
-        </p:txBody>
-      </p:sp>
-      <p:sp>
-        <p:nvSpPr>
-          <p:cNvPr id="20" name="Rectangle 19">
-            <a:extLst>
-              <a:ext uri="{FF2B5EF4-FFF2-40B4-BE49-F238E27FC236}">
-                <a16:creationId xmlns:a16="http://schemas.microsoft.com/office/drawing/2014/main" id="{01FA3560-714D-5A15-72BE-AF649A9B0D87}"/>
-              </a:ext>
-            </a:extLst>
-          </p:cNvPr>
-          <p:cNvSpPr/>
-          <p:nvPr/>
-        </p:nvSpPr>
-        <p:spPr>
-          <a:xfrm>
-            <a:off x="4208074" y="2045316"/>
-            <a:ext cx="726456" cy="249351"/>
-          </a:xfrm>
-          <a:prstGeom prst="rect">
-            <a:avLst/>
-          </a:prstGeom>
-        </p:spPr>
-        <p:style>
-          <a:lnRef idx="2">
-            <a:schemeClr val="accent1">
-              <a:shade val="50000"/>
-            </a:schemeClr>
-          </a:lnRef>
-          <a:fillRef idx="1">
-            <a:schemeClr val="accent1"/>
-          </a:fillRef>
-          <a:effectRef idx="0">
-            <a:schemeClr val="accent1"/>
-          </a:effectRef>
-          <a:fontRef idx="minor">
-            <a:schemeClr val="lt1"/>
-          </a:fontRef>
-        </p:style>
-        <p:txBody>
-          <a:bodyPr rtlCol="0" anchor="ctr"/>
-          <a:lstStyle/>
-          <a:p>
-            <a:pPr marL="15852" algn="ctr">
-              <a:spcBef>
-                <a:spcPts val="119"/>
-              </a:spcBef>
-            </a:pPr>
-            <a:r>
-              <a:rPr lang="en-US" sz="999" i="1" dirty="0">
-                <a:latin typeface="Tahoma"/>
-                <a:cs typeface="Tahoma"/>
-              </a:rPr>
-              <a:t>:I like</a:t>
+              <a:t>TOPIC</a:t>
             </a:r>
           </a:p>
         </p:txBody>
@@ -27181,48 +27030,6 @@
           </a:p>
         </p:txBody>
       </p:sp>
-      <p:cxnSp>
-        <p:nvCxnSpPr>
-          <p:cNvPr id="6" name="Straight Arrow Connector 5">
-            <a:extLst>
-              <a:ext uri="{FF2B5EF4-FFF2-40B4-BE49-F238E27FC236}">
-                <a16:creationId xmlns:a16="http://schemas.microsoft.com/office/drawing/2014/main" id="{CB3665F6-7D89-3D16-B205-7AEA3A2D5C9C}"/>
-              </a:ext>
-            </a:extLst>
-          </p:cNvPr>
-          <p:cNvCxnSpPr>
-            <a:stCxn id="13" idx="3"/>
-            <a:endCxn id="20" idx="1"/>
-          </p:cNvCxnSpPr>
-          <p:nvPr/>
-        </p:nvCxnSpPr>
-        <p:spPr>
-          <a:xfrm>
-            <a:off x="3519737" y="1820371"/>
-            <a:ext cx="688337" cy="349622"/>
-          </a:xfrm>
-          <a:prstGeom prst="straightConnector1">
-            <a:avLst/>
-          </a:prstGeom>
-          <a:ln>
-            <a:tailEnd type="triangle"/>
-          </a:ln>
-        </p:spPr>
-        <p:style>
-          <a:lnRef idx="1">
-            <a:schemeClr val="accent1"/>
-          </a:lnRef>
-          <a:fillRef idx="0">
-            <a:schemeClr val="accent1"/>
-          </a:fillRef>
-          <a:effectRef idx="0">
-            <a:schemeClr val="accent1"/>
-          </a:effectRef>
-          <a:fontRef idx="minor">
-            <a:schemeClr val="tx1"/>
-          </a:fontRef>
-        </p:style>
-      </p:cxnSp>
       <p:cxnSp>
         <p:nvCxnSpPr>
           <p:cNvPr id="19" name="Straight Arrow Connector 18">
@@ -27241,7 +27048,7 @@
         </p:nvCxnSpPr>
         <p:spPr>
           <a:xfrm>
-            <a:off x="1919706" y="2159794"/>
+            <a:off x="1596914" y="2159794"/>
             <a:ext cx="699731" cy="180657"/>
           </a:xfrm>
           <a:prstGeom prst="straightConnector1">
@@ -27280,7 +27087,7 @@
         </p:nvSpPr>
         <p:spPr>
           <a:xfrm>
-            <a:off x="2619437" y="2200093"/>
+            <a:off x="2296645" y="2200093"/>
             <a:ext cx="891163" cy="280715"/>
           </a:xfrm>
           <a:prstGeom prst="rect">
@@ -27329,7 +27136,7 @@
         </p:nvSpPr>
         <p:spPr>
           <a:xfrm>
-            <a:off x="2619436" y="2616395"/>
+            <a:off x="2296644" y="2616395"/>
             <a:ext cx="891163" cy="280715"/>
           </a:xfrm>
           <a:prstGeom prst="rect">
@@ -27378,7 +27185,7 @@
         </p:nvSpPr>
         <p:spPr>
           <a:xfrm>
-            <a:off x="2628574" y="3032696"/>
+            <a:off x="2305782" y="3032696"/>
             <a:ext cx="891163" cy="280715"/>
           </a:xfrm>
           <a:prstGeom prst="rect">
@@ -27430,7 +27237,7 @@
         </p:nvCxnSpPr>
         <p:spPr>
           <a:xfrm>
-            <a:off x="1919706" y="2159794"/>
+            <a:off x="1596914" y="2159794"/>
             <a:ext cx="699730" cy="596959"/>
           </a:xfrm>
           <a:prstGeom prst="straightConnector1">
@@ -27472,7 +27279,7 @@
         </p:nvCxnSpPr>
         <p:spPr>
           <a:xfrm>
-            <a:off x="1919706" y="2159794"/>
+            <a:off x="1596914" y="2159794"/>
             <a:ext cx="708868" cy="1013260"/>
           </a:xfrm>
           <a:prstGeom prst="straightConnector1">
@@ -27497,6 +27304,256 @@
           </a:fontRef>
         </p:style>
       </p:cxnSp>
+      <p:cxnSp>
+        <p:nvCxnSpPr>
+          <p:cNvPr id="4" name="Straight Arrow Connector 3">
+            <a:extLst>
+              <a:ext uri="{FF2B5EF4-FFF2-40B4-BE49-F238E27FC236}">
+                <a16:creationId xmlns:a16="http://schemas.microsoft.com/office/drawing/2014/main" id="{D2583382-95BB-1703-D762-190D59C23232}"/>
+              </a:ext>
+            </a:extLst>
+          </p:cNvPr>
+          <p:cNvCxnSpPr>
+            <a:cxnSpLocks/>
+          </p:cNvCxnSpPr>
+          <p:nvPr/>
+        </p:nvCxnSpPr>
+        <p:spPr>
+          <a:xfrm flipV="1">
+            <a:off x="3905814" y="1595423"/>
+            <a:ext cx="445557" cy="224947"/>
+          </a:xfrm>
+          <a:prstGeom prst="straightConnector1">
+            <a:avLst/>
+          </a:prstGeom>
+          <a:ln>
+            <a:tailEnd type="triangle"/>
+          </a:ln>
+        </p:spPr>
+        <p:style>
+          <a:lnRef idx="1">
+            <a:schemeClr val="accent1"/>
+          </a:lnRef>
+          <a:fillRef idx="0">
+            <a:schemeClr val="accent1"/>
+          </a:fillRef>
+          <a:effectRef idx="0">
+            <a:schemeClr val="accent1"/>
+          </a:effectRef>
+          <a:fontRef idx="minor">
+            <a:schemeClr val="tx1"/>
+          </a:fontRef>
+        </p:style>
+      </p:cxnSp>
+      <p:cxnSp>
+        <p:nvCxnSpPr>
+          <p:cNvPr id="5" name="Straight Arrow Connector 4">
+            <a:extLst>
+              <a:ext uri="{FF2B5EF4-FFF2-40B4-BE49-F238E27FC236}">
+                <a16:creationId xmlns:a16="http://schemas.microsoft.com/office/drawing/2014/main" id="{67EBCDEA-1A92-3ABF-E038-C8F31F9CF1CA}"/>
+              </a:ext>
+            </a:extLst>
+          </p:cNvPr>
+          <p:cNvCxnSpPr>
+            <a:cxnSpLocks/>
+          </p:cNvCxnSpPr>
+          <p:nvPr/>
+        </p:nvCxnSpPr>
+        <p:spPr>
+          <a:xfrm>
+            <a:off x="3905814" y="1820370"/>
+            <a:ext cx="445557" cy="224947"/>
+          </a:xfrm>
+          <a:prstGeom prst="straightConnector1">
+            <a:avLst/>
+          </a:prstGeom>
+          <a:ln>
+            <a:tailEnd type="triangle"/>
+          </a:ln>
+        </p:spPr>
+        <p:style>
+          <a:lnRef idx="1">
+            <a:schemeClr val="accent1"/>
+          </a:lnRef>
+          <a:fillRef idx="0">
+            <a:schemeClr val="accent1"/>
+          </a:fillRef>
+          <a:effectRef idx="0">
+            <a:schemeClr val="accent1"/>
+          </a:effectRef>
+          <a:fontRef idx="minor">
+            <a:schemeClr val="tx1"/>
+          </a:fontRef>
+        </p:style>
+      </p:cxnSp>
+      <p:sp>
+        <p:nvSpPr>
+          <p:cNvPr id="22" name="Rectangle 21">
+            <a:extLst>
+              <a:ext uri="{FF2B5EF4-FFF2-40B4-BE49-F238E27FC236}">
+                <a16:creationId xmlns:a16="http://schemas.microsoft.com/office/drawing/2014/main" id="{520914A8-383E-9C10-D794-91F10BF9B9AC}"/>
+              </a:ext>
+            </a:extLst>
+          </p:cNvPr>
+          <p:cNvSpPr/>
+          <p:nvPr/>
+        </p:nvSpPr>
+        <p:spPr>
+          <a:xfrm>
+            <a:off x="4375918" y="1462778"/>
+            <a:ext cx="891163" cy="280715"/>
+          </a:xfrm>
+          <a:prstGeom prst="rect">
+            <a:avLst/>
+          </a:prstGeom>
+        </p:spPr>
+        <p:style>
+          <a:lnRef idx="2">
+            <a:schemeClr val="accent3">
+              <a:shade val="50000"/>
+            </a:schemeClr>
+          </a:lnRef>
+          <a:fillRef idx="1">
+            <a:schemeClr val="accent3"/>
+          </a:fillRef>
+          <a:effectRef idx="0">
+            <a:schemeClr val="accent3"/>
+          </a:effectRef>
+          <a:fontRef idx="minor">
+            <a:schemeClr val="lt1"/>
+          </a:fontRef>
+        </p:style>
+        <p:txBody>
+          <a:bodyPr rtlCol="0" anchor="ctr"/>
+          <a:lstStyle/>
+          <a:p>
+            <a:pPr algn="ctr"/>
+            <a:r>
+              <a:rPr lang="en-FR" sz="1000" dirty="0"/>
+              <a:t>HAND_PLACE_TRILL.INFO</a:t>
+            </a:r>
+          </a:p>
+        </p:txBody>
+      </p:sp>
+      <p:sp>
+        <p:nvSpPr>
+          <p:cNvPr id="23" name="Rectangle 22">
+            <a:extLst>
+              <a:ext uri="{FF2B5EF4-FFF2-40B4-BE49-F238E27FC236}">
+                <a16:creationId xmlns:a16="http://schemas.microsoft.com/office/drawing/2014/main" id="{476753DB-71F5-1120-3F74-AA5EB3BD2B23}"/>
+              </a:ext>
+            </a:extLst>
+          </p:cNvPr>
+          <p:cNvSpPr/>
+          <p:nvPr/>
+        </p:nvSpPr>
+        <p:spPr>
+          <a:xfrm>
+            <a:off x="4375918" y="1892563"/>
+            <a:ext cx="1016085" cy="280715"/>
+          </a:xfrm>
+          <a:prstGeom prst="rect">
+            <a:avLst/>
+          </a:prstGeom>
+        </p:spPr>
+        <p:style>
+          <a:lnRef idx="2">
+            <a:schemeClr val="accent3">
+              <a:shade val="50000"/>
+            </a:schemeClr>
+          </a:lnRef>
+          <a:fillRef idx="1">
+            <a:schemeClr val="accent3"/>
+          </a:fillRef>
+          <a:effectRef idx="0">
+            <a:schemeClr val="accent3"/>
+          </a:effectRef>
+          <a:fontRef idx="minor">
+            <a:schemeClr val="lt1"/>
+          </a:fontRef>
+        </p:style>
+        <p:txBody>
+          <a:bodyPr rtlCol="0" anchor="ctr"/>
+          <a:lstStyle/>
+          <a:p>
+            <a:pPr algn="ctr"/>
+            <a:r>
+              <a:rPr lang="en-FR" sz="1000" dirty="0"/>
+              <a:t>HAND_CONFIG.INFO</a:t>
+            </a:r>
+          </a:p>
+        </p:txBody>
+      </p:sp>
+      <p:sp>
+        <p:nvSpPr>
+          <p:cNvPr id="25" name="TextBox 24">
+            <a:extLst>
+              <a:ext uri="{FF2B5EF4-FFF2-40B4-BE49-F238E27FC236}">
+                <a16:creationId xmlns:a16="http://schemas.microsoft.com/office/drawing/2014/main" id="{EFE58678-12CB-D100-E7A4-300523048BB4}"/>
+              </a:ext>
+            </a:extLst>
+          </p:cNvPr>
+          <p:cNvSpPr txBox="1"/>
+          <p:nvPr/>
+        </p:nvSpPr>
+        <p:spPr>
+          <a:xfrm>
+            <a:off x="3299485" y="1066920"/>
+            <a:ext cx="543739" cy="369332"/>
+          </a:xfrm>
+          <a:prstGeom prst="rect">
+            <a:avLst/>
+          </a:prstGeom>
+          <a:noFill/>
+        </p:spPr>
+        <p:txBody>
+          <a:bodyPr wrap="none" rtlCol="0">
+            <a:spAutoFit/>
+          </a:bodyPr>
+          <a:lstStyle/>
+          <a:p>
+            <a:r>
+              <a:rPr lang="en-FR" dirty="0"/>
+              <a:t>Cat</a:t>
+            </a:r>
+          </a:p>
+        </p:txBody>
+      </p:sp>
+      <p:sp>
+        <p:nvSpPr>
+          <p:cNvPr id="26" name="TextBox 25">
+            <a:extLst>
+              <a:ext uri="{FF2B5EF4-FFF2-40B4-BE49-F238E27FC236}">
+                <a16:creationId xmlns:a16="http://schemas.microsoft.com/office/drawing/2014/main" id="{7D7E4E53-541B-4790-E5BD-EE0CFC625A2E}"/>
+              </a:ext>
+            </a:extLst>
+          </p:cNvPr>
+          <p:cNvSpPr txBox="1"/>
+          <p:nvPr/>
+        </p:nvSpPr>
+        <p:spPr>
+          <a:xfrm>
+            <a:off x="3289934" y="1620750"/>
+            <a:ext cx="671979" cy="369332"/>
+          </a:xfrm>
+          <a:prstGeom prst="rect">
+            <a:avLst/>
+          </a:prstGeom>
+          <a:noFill/>
+        </p:spPr>
+        <p:txBody>
+          <a:bodyPr wrap="none" rtlCol="0">
+            <a:spAutoFit/>
+          </a:bodyPr>
+          <a:lstStyle/>
+          <a:p>
+            <a:r>
+              <a:rPr lang="en-FR" dirty="0"/>
+              <a:t>Cute</a:t>
+            </a:r>
+          </a:p>
+        </p:txBody>
+      </p:sp>
     </p:spTree>
     <p:extLst>
       <p:ext uri="{BB962C8B-B14F-4D97-AF65-F5344CB8AC3E}">
